--- a/Documentation/Презентация ТЗ.pptx
+++ b/Documentation/Презентация ТЗ.pptx
@@ -5,17 +5,18 @@
     <p:sldMasterId id="2147483648" r:id="rId1"/>
   </p:sldMasterIdLst>
   <p:sldIdLst>
-    <p:sldId id="259" r:id="rId2"/>
-    <p:sldId id="278" r:id="rId3"/>
-    <p:sldId id="290" r:id="rId4"/>
-    <p:sldId id="291" r:id="rId5"/>
-    <p:sldId id="292" r:id="rId6"/>
-    <p:sldId id="293" r:id="rId7"/>
-    <p:sldId id="294" r:id="rId8"/>
-    <p:sldId id="300" r:id="rId9"/>
-    <p:sldId id="295" r:id="rId10"/>
-    <p:sldId id="296" r:id="rId11"/>
-    <p:sldId id="298" r:id="rId12"/>
+    <p:sldId id="259" r:id="rId3"/>
+    <p:sldId id="278" r:id="rId4"/>
+    <p:sldId id="290" r:id="rId5"/>
+    <p:sldId id="291" r:id="rId6"/>
+    <p:sldId id="292" r:id="rId7"/>
+    <p:sldId id="293" r:id="rId8"/>
+    <p:sldId id="294" r:id="rId9"/>
+    <p:sldId id="300" r:id="rId10"/>
+    <p:sldId id="295" r:id="rId11"/>
+    <p:sldId id="296" r:id="rId12"/>
+    <p:sldId id="298" r:id="rId13"/>
+    <p:sldId id="304" r:id="rId14"/>
   </p:sldIdLst>
   <p:sldSz cx="9144000" cy="6858000" type="screen4x3"/>
   <p:notesSz cx="6858000" cy="9144000"/>
@@ -116,8 +117,8 @@
   </p:defaultTextStyle>
   <p:extLst>
     <p:ext uri="{EFAFB233-063F-42B5-8137-9DF3F51BA10A}">
-      <p15:sldGuideLst xmlns:p15="http://schemas.microsoft.com/office/powerpoint/2012/main" xmlns="">
-        <p15:guide id="1" orient="horz" pos="2151" userDrawn="1">
+      <p15:sldGuideLst xmlns:p15="http://schemas.microsoft.com/office/powerpoint/2012/main">
+        <p15:guide id="1" orient="horz" pos="2137" userDrawn="1">
           <p15:clr>
             <a:srgbClr val="A4A3A4"/>
           </p15:clr>
@@ -314,7 +315,6 @@
           <a:p>
             <a:fld id="{32AF1051-06DD-4579-9EAF-0554F1E7E4E0}" type="datetimeFigureOut">
               <a:rPr lang="ru-RU" smtClean="0"/>
-              <a:t>13.03.2024</a:t>
             </a:fld>
             <a:endParaRPr lang="ru-RU"/>
           </a:p>
@@ -356,7 +356,6 @@
           <a:p>
             <a:fld id="{362B4535-C1DE-404A-9E7B-EDE35359753A}" type="slidenum">
               <a:rPr lang="ru-RU" smtClean="0"/>
-              <a:t>‹#›</a:t>
             </a:fld>
             <a:endParaRPr lang="ru-RU"/>
           </a:p>
@@ -430,6 +429,7 @@
               <a:rPr lang="ru-RU" smtClean="0"/>
               <a:t>Образец текста</a:t>
             </a:r>
+            <a:endParaRPr lang="ru-RU" smtClean="0"/>
           </a:p>
           <a:p>
             <a:pPr lvl="1"/>
@@ -437,6 +437,7 @@
               <a:rPr lang="ru-RU" smtClean="0"/>
               <a:t>Второй уровень</a:t>
             </a:r>
+            <a:endParaRPr lang="ru-RU" smtClean="0"/>
           </a:p>
           <a:p>
             <a:pPr lvl="2"/>
@@ -444,6 +445,7 @@
               <a:rPr lang="ru-RU" smtClean="0"/>
               <a:t>Третий уровень</a:t>
             </a:r>
+            <a:endParaRPr lang="ru-RU" smtClean="0"/>
           </a:p>
           <a:p>
             <a:pPr lvl="3"/>
@@ -451,6 +453,7 @@
               <a:rPr lang="ru-RU" smtClean="0"/>
               <a:t>Четвертый уровень</a:t>
             </a:r>
+            <a:endParaRPr lang="ru-RU" smtClean="0"/>
           </a:p>
           <a:p>
             <a:pPr lvl="4"/>
@@ -479,7 +482,6 @@
           <a:p>
             <a:fld id="{32AF1051-06DD-4579-9EAF-0554F1E7E4E0}" type="datetimeFigureOut">
               <a:rPr lang="ru-RU" smtClean="0"/>
-              <a:t>13.03.2024</a:t>
             </a:fld>
             <a:endParaRPr lang="ru-RU"/>
           </a:p>
@@ -521,7 +523,6 @@
           <a:p>
             <a:fld id="{362B4535-C1DE-404A-9E7B-EDE35359753A}" type="slidenum">
               <a:rPr lang="ru-RU" smtClean="0"/>
-              <a:t>‹#›</a:t>
             </a:fld>
             <a:endParaRPr lang="ru-RU"/>
           </a:p>
@@ -605,6 +606,7 @@
               <a:rPr lang="ru-RU" smtClean="0"/>
               <a:t>Образец текста</a:t>
             </a:r>
+            <a:endParaRPr lang="ru-RU" smtClean="0"/>
           </a:p>
           <a:p>
             <a:pPr lvl="1"/>
@@ -612,6 +614,7 @@
               <a:rPr lang="ru-RU" smtClean="0"/>
               <a:t>Второй уровень</a:t>
             </a:r>
+            <a:endParaRPr lang="ru-RU" smtClean="0"/>
           </a:p>
           <a:p>
             <a:pPr lvl="2"/>
@@ -619,6 +622,7 @@
               <a:rPr lang="ru-RU" smtClean="0"/>
               <a:t>Третий уровень</a:t>
             </a:r>
+            <a:endParaRPr lang="ru-RU" smtClean="0"/>
           </a:p>
           <a:p>
             <a:pPr lvl="3"/>
@@ -626,6 +630,7 @@
               <a:rPr lang="ru-RU" smtClean="0"/>
               <a:t>Четвертый уровень</a:t>
             </a:r>
+            <a:endParaRPr lang="ru-RU" smtClean="0"/>
           </a:p>
           <a:p>
             <a:pPr lvl="4"/>
@@ -654,7 +659,6 @@
           <a:p>
             <a:fld id="{32AF1051-06DD-4579-9EAF-0554F1E7E4E0}" type="datetimeFigureOut">
               <a:rPr lang="ru-RU" smtClean="0"/>
-              <a:t>13.03.2024</a:t>
             </a:fld>
             <a:endParaRPr lang="ru-RU"/>
           </a:p>
@@ -696,7 +700,6 @@
           <a:p>
             <a:fld id="{362B4535-C1DE-404A-9E7B-EDE35359753A}" type="slidenum">
               <a:rPr lang="ru-RU" smtClean="0"/>
-              <a:t>‹#›</a:t>
             </a:fld>
             <a:endParaRPr lang="ru-RU"/>
           </a:p>
@@ -770,6 +773,7 @@
               <a:rPr lang="ru-RU" smtClean="0"/>
               <a:t>Образец текста</a:t>
             </a:r>
+            <a:endParaRPr lang="ru-RU" smtClean="0"/>
           </a:p>
           <a:p>
             <a:pPr lvl="1"/>
@@ -777,6 +781,7 @@
               <a:rPr lang="ru-RU" smtClean="0"/>
               <a:t>Второй уровень</a:t>
             </a:r>
+            <a:endParaRPr lang="ru-RU" smtClean="0"/>
           </a:p>
           <a:p>
             <a:pPr lvl="2"/>
@@ -784,6 +789,7 @@
               <a:rPr lang="ru-RU" smtClean="0"/>
               <a:t>Третий уровень</a:t>
             </a:r>
+            <a:endParaRPr lang="ru-RU" smtClean="0"/>
           </a:p>
           <a:p>
             <a:pPr lvl="3"/>
@@ -791,6 +797,7 @@
               <a:rPr lang="ru-RU" smtClean="0"/>
               <a:t>Четвертый уровень</a:t>
             </a:r>
+            <a:endParaRPr lang="ru-RU" smtClean="0"/>
           </a:p>
           <a:p>
             <a:pPr lvl="4"/>
@@ -819,7 +826,6 @@
           <a:p>
             <a:fld id="{32AF1051-06DD-4579-9EAF-0554F1E7E4E0}" type="datetimeFigureOut">
               <a:rPr lang="ru-RU" smtClean="0"/>
-              <a:t>13.03.2024</a:t>
             </a:fld>
             <a:endParaRPr lang="ru-RU"/>
           </a:p>
@@ -861,7 +867,6 @@
           <a:p>
             <a:fld id="{362B4535-C1DE-404A-9E7B-EDE35359753A}" type="slidenum">
               <a:rPr lang="ru-RU" smtClean="0"/>
-              <a:t>‹#›</a:t>
             </a:fld>
             <a:endParaRPr lang="ru-RU"/>
           </a:p>
@@ -1040,6 +1045,7 @@
               <a:rPr lang="ru-RU" smtClean="0"/>
               <a:t>Образец текста</a:t>
             </a:r>
+            <a:endParaRPr lang="ru-RU" smtClean="0"/>
           </a:p>
         </p:txBody>
       </p:sp>
@@ -1060,7 +1066,6 @@
           <a:p>
             <a:fld id="{32AF1051-06DD-4579-9EAF-0554F1E7E4E0}" type="datetimeFigureOut">
               <a:rPr lang="ru-RU" smtClean="0"/>
-              <a:t>13.03.2024</a:t>
             </a:fld>
             <a:endParaRPr lang="ru-RU"/>
           </a:p>
@@ -1102,7 +1107,6 @@
           <a:p>
             <a:fld id="{362B4535-C1DE-404A-9E7B-EDE35359753A}" type="slidenum">
               <a:rPr lang="ru-RU" smtClean="0"/>
-              <a:t>‹#›</a:t>
             </a:fld>
             <a:endParaRPr lang="ru-RU"/>
           </a:p>
@@ -1209,6 +1213,7 @@
               <a:rPr lang="ru-RU" smtClean="0"/>
               <a:t>Образец текста</a:t>
             </a:r>
+            <a:endParaRPr lang="ru-RU" smtClean="0"/>
           </a:p>
           <a:p>
             <a:pPr lvl="1"/>
@@ -1216,6 +1221,7 @@
               <a:rPr lang="ru-RU" smtClean="0"/>
               <a:t>Второй уровень</a:t>
             </a:r>
+            <a:endParaRPr lang="ru-RU" smtClean="0"/>
           </a:p>
           <a:p>
             <a:pPr lvl="2"/>
@@ -1223,6 +1229,7 @@
               <a:rPr lang="ru-RU" smtClean="0"/>
               <a:t>Третий уровень</a:t>
             </a:r>
+            <a:endParaRPr lang="ru-RU" smtClean="0"/>
           </a:p>
           <a:p>
             <a:pPr lvl="3"/>
@@ -1230,6 +1237,7 @@
               <a:rPr lang="ru-RU" smtClean="0"/>
               <a:t>Четвертый уровень</a:t>
             </a:r>
+            <a:endParaRPr lang="ru-RU" smtClean="0"/>
           </a:p>
           <a:p>
             <a:pPr lvl="4"/>
@@ -1294,6 +1302,7 @@
               <a:rPr lang="ru-RU" smtClean="0"/>
               <a:t>Образец текста</a:t>
             </a:r>
+            <a:endParaRPr lang="ru-RU" smtClean="0"/>
           </a:p>
           <a:p>
             <a:pPr lvl="1"/>
@@ -1301,6 +1310,7 @@
               <a:rPr lang="ru-RU" smtClean="0"/>
               <a:t>Второй уровень</a:t>
             </a:r>
+            <a:endParaRPr lang="ru-RU" smtClean="0"/>
           </a:p>
           <a:p>
             <a:pPr lvl="2"/>
@@ -1308,6 +1318,7 @@
               <a:rPr lang="ru-RU" smtClean="0"/>
               <a:t>Третий уровень</a:t>
             </a:r>
+            <a:endParaRPr lang="ru-RU" smtClean="0"/>
           </a:p>
           <a:p>
             <a:pPr lvl="3"/>
@@ -1315,6 +1326,7 @@
               <a:rPr lang="ru-RU" smtClean="0"/>
               <a:t>Четвертый уровень</a:t>
             </a:r>
+            <a:endParaRPr lang="ru-RU" smtClean="0"/>
           </a:p>
           <a:p>
             <a:pPr lvl="4"/>
@@ -1343,7 +1355,6 @@
           <a:p>
             <a:fld id="{32AF1051-06DD-4579-9EAF-0554F1E7E4E0}" type="datetimeFigureOut">
               <a:rPr lang="ru-RU" smtClean="0"/>
-              <a:t>13.03.2024</a:t>
             </a:fld>
             <a:endParaRPr lang="ru-RU"/>
           </a:p>
@@ -1385,7 +1396,6 @@
           <a:p>
             <a:fld id="{362B4535-C1DE-404A-9E7B-EDE35359753A}" type="slidenum">
               <a:rPr lang="ru-RU" smtClean="0"/>
-              <a:t>‹#›</a:t>
             </a:fld>
             <a:endParaRPr lang="ru-RU"/>
           </a:p>
@@ -1505,6 +1515,7 @@
               <a:rPr lang="ru-RU" smtClean="0"/>
               <a:t>Образец текста</a:t>
             </a:r>
+            <a:endParaRPr lang="ru-RU" smtClean="0"/>
           </a:p>
         </p:txBody>
       </p:sp>
@@ -1561,6 +1572,7 @@
               <a:rPr lang="ru-RU" smtClean="0"/>
               <a:t>Образец текста</a:t>
             </a:r>
+            <a:endParaRPr lang="ru-RU" smtClean="0"/>
           </a:p>
           <a:p>
             <a:pPr lvl="1"/>
@@ -1568,6 +1580,7 @@
               <a:rPr lang="ru-RU" smtClean="0"/>
               <a:t>Второй уровень</a:t>
             </a:r>
+            <a:endParaRPr lang="ru-RU" smtClean="0"/>
           </a:p>
           <a:p>
             <a:pPr lvl="2"/>
@@ -1575,6 +1588,7 @@
               <a:rPr lang="ru-RU" smtClean="0"/>
               <a:t>Третий уровень</a:t>
             </a:r>
+            <a:endParaRPr lang="ru-RU" smtClean="0"/>
           </a:p>
           <a:p>
             <a:pPr lvl="3"/>
@@ -1582,6 +1596,7 @@
               <a:rPr lang="ru-RU" smtClean="0"/>
               <a:t>Четвертый уровень</a:t>
             </a:r>
+            <a:endParaRPr lang="ru-RU" smtClean="0"/>
           </a:p>
           <a:p>
             <a:pPr lvl="4"/>
@@ -1655,6 +1670,7 @@
               <a:rPr lang="ru-RU" smtClean="0"/>
               <a:t>Образец текста</a:t>
             </a:r>
+            <a:endParaRPr lang="ru-RU" smtClean="0"/>
           </a:p>
         </p:txBody>
       </p:sp>
@@ -1711,6 +1727,7 @@
               <a:rPr lang="ru-RU" smtClean="0"/>
               <a:t>Образец текста</a:t>
             </a:r>
+            <a:endParaRPr lang="ru-RU" smtClean="0"/>
           </a:p>
           <a:p>
             <a:pPr lvl="1"/>
@@ -1718,6 +1735,7 @@
               <a:rPr lang="ru-RU" smtClean="0"/>
               <a:t>Второй уровень</a:t>
             </a:r>
+            <a:endParaRPr lang="ru-RU" smtClean="0"/>
           </a:p>
           <a:p>
             <a:pPr lvl="2"/>
@@ -1725,6 +1743,7 @@
               <a:rPr lang="ru-RU" smtClean="0"/>
               <a:t>Третий уровень</a:t>
             </a:r>
+            <a:endParaRPr lang="ru-RU" smtClean="0"/>
           </a:p>
           <a:p>
             <a:pPr lvl="3"/>
@@ -1732,6 +1751,7 @@
               <a:rPr lang="ru-RU" smtClean="0"/>
               <a:t>Четвертый уровень</a:t>
             </a:r>
+            <a:endParaRPr lang="ru-RU" smtClean="0"/>
           </a:p>
           <a:p>
             <a:pPr lvl="4"/>
@@ -1760,7 +1780,6 @@
           <a:p>
             <a:fld id="{32AF1051-06DD-4579-9EAF-0554F1E7E4E0}" type="datetimeFigureOut">
               <a:rPr lang="ru-RU" smtClean="0"/>
-              <a:t>13.03.2024</a:t>
             </a:fld>
             <a:endParaRPr lang="ru-RU"/>
           </a:p>
@@ -1802,7 +1821,6 @@
           <a:p>
             <a:fld id="{362B4535-C1DE-404A-9E7B-EDE35359753A}" type="slidenum">
               <a:rPr lang="ru-RU" smtClean="0"/>
-              <a:t>‹#›</a:t>
             </a:fld>
             <a:endParaRPr lang="ru-RU"/>
           </a:p>
@@ -1873,7 +1891,6 @@
           <a:p>
             <a:fld id="{32AF1051-06DD-4579-9EAF-0554F1E7E4E0}" type="datetimeFigureOut">
               <a:rPr lang="ru-RU" smtClean="0"/>
-              <a:t>13.03.2024</a:t>
             </a:fld>
             <a:endParaRPr lang="ru-RU"/>
           </a:p>
@@ -1915,7 +1932,6 @@
           <a:p>
             <a:fld id="{362B4535-C1DE-404A-9E7B-EDE35359753A}" type="slidenum">
               <a:rPr lang="ru-RU" smtClean="0"/>
-              <a:t>‹#›</a:t>
             </a:fld>
             <a:endParaRPr lang="ru-RU"/>
           </a:p>
@@ -1963,7 +1979,6 @@
           <a:p>
             <a:fld id="{32AF1051-06DD-4579-9EAF-0554F1E7E4E0}" type="datetimeFigureOut">
               <a:rPr lang="ru-RU" smtClean="0"/>
-              <a:t>13.03.2024</a:t>
             </a:fld>
             <a:endParaRPr lang="ru-RU"/>
           </a:p>
@@ -2005,7 +2020,6 @@
           <a:p>
             <a:fld id="{362B4535-C1DE-404A-9E7B-EDE35359753A}" type="slidenum">
               <a:rPr lang="ru-RU" smtClean="0"/>
-              <a:t>‹#›</a:t>
             </a:fld>
             <a:endParaRPr lang="ru-RU"/>
           </a:p>
@@ -2121,6 +2135,7 @@
               <a:rPr lang="ru-RU" smtClean="0"/>
               <a:t>Образец текста</a:t>
             </a:r>
+            <a:endParaRPr lang="ru-RU" smtClean="0"/>
           </a:p>
           <a:p>
             <a:pPr lvl="1"/>
@@ -2128,6 +2143,7 @@
               <a:rPr lang="ru-RU" smtClean="0"/>
               <a:t>Второй уровень</a:t>
             </a:r>
+            <a:endParaRPr lang="ru-RU" smtClean="0"/>
           </a:p>
           <a:p>
             <a:pPr lvl="2"/>
@@ -2135,6 +2151,7 @@
               <a:rPr lang="ru-RU" smtClean="0"/>
               <a:t>Третий уровень</a:t>
             </a:r>
+            <a:endParaRPr lang="ru-RU" smtClean="0"/>
           </a:p>
           <a:p>
             <a:pPr lvl="3"/>
@@ -2142,6 +2159,7 @@
               <a:rPr lang="ru-RU" smtClean="0"/>
               <a:t>Четвертый уровень</a:t>
             </a:r>
+            <a:endParaRPr lang="ru-RU" smtClean="0"/>
           </a:p>
           <a:p>
             <a:pPr lvl="4"/>
@@ -2215,6 +2233,7 @@
               <a:rPr lang="ru-RU" smtClean="0"/>
               <a:t>Образец текста</a:t>
             </a:r>
+            <a:endParaRPr lang="ru-RU" smtClean="0"/>
           </a:p>
         </p:txBody>
       </p:sp>
@@ -2235,7 +2254,6 @@
           <a:p>
             <a:fld id="{32AF1051-06DD-4579-9EAF-0554F1E7E4E0}" type="datetimeFigureOut">
               <a:rPr lang="ru-RU" smtClean="0"/>
-              <a:t>13.03.2024</a:t>
             </a:fld>
             <a:endParaRPr lang="ru-RU"/>
           </a:p>
@@ -2277,7 +2295,6 @@
           <a:p>
             <a:fld id="{362B4535-C1DE-404A-9E7B-EDE35359753A}" type="slidenum">
               <a:rPr lang="ru-RU" smtClean="0"/>
-              <a:t>‹#›</a:t>
             </a:fld>
             <a:endParaRPr lang="ru-RU"/>
           </a:p>
@@ -2463,6 +2480,7 @@
               <a:rPr lang="ru-RU" smtClean="0"/>
               <a:t>Образец текста</a:t>
             </a:r>
+            <a:endParaRPr lang="ru-RU" smtClean="0"/>
           </a:p>
         </p:txBody>
       </p:sp>
@@ -2483,7 +2501,6 @@
           <a:p>
             <a:fld id="{32AF1051-06DD-4579-9EAF-0554F1E7E4E0}" type="datetimeFigureOut">
               <a:rPr lang="ru-RU" smtClean="0"/>
-              <a:t>13.03.2024</a:t>
             </a:fld>
             <a:endParaRPr lang="ru-RU"/>
           </a:p>
@@ -2525,7 +2542,6 @@
           <a:p>
             <a:fld id="{362B4535-C1DE-404A-9E7B-EDE35359753A}" type="slidenum">
               <a:rPr lang="ru-RU" smtClean="0"/>
-              <a:t>‹#›</a:t>
             </a:fld>
             <a:endParaRPr lang="ru-RU"/>
           </a:p>
@@ -2624,6 +2640,7 @@
               <a:rPr lang="ru-RU" smtClean="0"/>
               <a:t>Образец текста</a:t>
             </a:r>
+            <a:endParaRPr lang="ru-RU" smtClean="0"/>
           </a:p>
           <a:p>
             <a:pPr lvl="1"/>
@@ -2631,6 +2648,7 @@
               <a:rPr lang="ru-RU" smtClean="0"/>
               <a:t>Второй уровень</a:t>
             </a:r>
+            <a:endParaRPr lang="ru-RU" smtClean="0"/>
           </a:p>
           <a:p>
             <a:pPr lvl="2"/>
@@ -2638,6 +2656,7 @@
               <a:rPr lang="ru-RU" smtClean="0"/>
               <a:t>Третий уровень</a:t>
             </a:r>
+            <a:endParaRPr lang="ru-RU" smtClean="0"/>
           </a:p>
           <a:p>
             <a:pPr lvl="3"/>
@@ -2645,6 +2664,7 @@
               <a:rPr lang="ru-RU" smtClean="0"/>
               <a:t>Четвертый уровень</a:t>
             </a:r>
+            <a:endParaRPr lang="ru-RU" smtClean="0"/>
           </a:p>
           <a:p>
             <a:pPr lvl="4"/>
@@ -2691,7 +2711,6 @@
           <a:p>
             <a:fld id="{32AF1051-06DD-4579-9EAF-0554F1E7E4E0}" type="datetimeFigureOut">
               <a:rPr lang="ru-RU" smtClean="0"/>
-              <a:t>13.03.2024</a:t>
             </a:fld>
             <a:endParaRPr lang="ru-RU"/>
           </a:p>
@@ -2769,7 +2788,6 @@
           <a:p>
             <a:fld id="{362B4535-C1DE-404A-9E7B-EDE35359753A}" type="slidenum">
               <a:rPr lang="ru-RU" smtClean="0"/>
-              <a:t>‹#›</a:t>
             </a:fld>
             <a:endParaRPr lang="ru-RU"/>
           </a:p>
@@ -3096,6 +3114,13 @@
               </a:rPr>
               <a:t>ProgressTracker</a:t>
             </a:r>
+            <a:endParaRPr lang="en-US" sz="5400" dirty="0" err="1" smtClean="0">
+              <a:solidFill>
+                <a:schemeClr val="tx1"/>
+              </a:solidFill>
+              <a:latin typeface="Segoe UI" panose="020B0502040204020203" charset="0"/>
+              <a:cs typeface="Segoe UI" panose="020B0502040204020203" charset="0"/>
+            </a:endParaRPr>
           </a:p>
         </p:txBody>
       </p:sp>
@@ -3108,7 +3133,7 @@
           <p:nvPr/>
         </p:nvPicPr>
         <p:blipFill>
-          <a:blip r:embed="rId2"/>
+          <a:blip r:embed="rId1"/>
           <a:stretch>
             <a:fillRect/>
           </a:stretch>
@@ -3207,6 +3232,11 @@
               </a:rPr>
               <a:t>Мироненко </a:t>
             </a:r>
+            <a:endParaRPr lang="ru-RU" dirty="0" smtClean="0">
+              <a:latin typeface="Segoe UI" panose="020B0502040204020203" charset="0"/>
+              <a:cs typeface="Segoe UI" panose="020B0502040204020203" charset="0"/>
+              <a:sym typeface="+mn-ea"/>
+            </a:endParaRPr>
           </a:p>
           <a:p>
             <a:pPr indent="0">
@@ -3266,6 +3296,10 @@
               </a:rPr>
               <a:t>Мобильное приложение для трекинга прогресса в изучении новых навыков</a:t>
             </a:r>
+            <a:endParaRPr lang="ru-RU" altLang="en-US" sz="1600">
+              <a:latin typeface="Segoe UI" panose="020B0502040204020203" charset="0"/>
+              <a:cs typeface="Segoe UI" panose="020B0502040204020203" charset="0"/>
+            </a:endParaRPr>
           </a:p>
         </p:txBody>
       </p:sp>
@@ -3331,34 +3365,8 @@
                 <a:latin typeface="Times New Roman" panose="02020603050405020304" pitchFamily="18" charset="0"/>
                 <a:cs typeface="Times New Roman" panose="02020603050405020304" pitchFamily="18" charset="0"/>
               </a:rPr>
-              <a:t>Краткосрочные цели: Запуск MVP, привлечение первых 100+ </a:t>
-            </a:r>
-          </a:p>
-          <a:p>
-            <a:r>
-              <a:rPr lang="ru-RU" dirty="0" smtClean="0">
-                <a:solidFill>
-                  <a:schemeClr val="tx1"/>
-                </a:solidFill>
-                <a:latin typeface="Times New Roman" panose="02020603050405020304" pitchFamily="18" charset="0"/>
-                <a:cs typeface="Times New Roman" panose="02020603050405020304" pitchFamily="18" charset="0"/>
-              </a:rPr>
-              <a:t>активных пользователей, сбор обратной связи для улучшения </a:t>
-            </a:r>
-          </a:p>
-          <a:p>
-            <a:r>
-              <a:rPr lang="ru-RU" dirty="0" smtClean="0">
-                <a:solidFill>
-                  <a:schemeClr val="tx1"/>
-                </a:solidFill>
-                <a:latin typeface="Times New Roman" panose="02020603050405020304" pitchFamily="18" charset="0"/>
-                <a:cs typeface="Times New Roman" panose="02020603050405020304" pitchFamily="18" charset="0"/>
-              </a:rPr>
-              <a:t>функционала.</a:t>
-            </a:r>
-          </a:p>
-          <a:p>
+              <a:t>Краткосрочные цели: Запуск MVP, привлечение первых 10+ </a:t>
+            </a:r>
             <a:endParaRPr lang="ru-RU" dirty="0" smtClean="0">
               <a:solidFill>
                 <a:schemeClr val="tx1"/>
@@ -3376,8 +3384,15 @@
                 <a:latin typeface="Times New Roman" panose="02020603050405020304" pitchFamily="18" charset="0"/>
                 <a:cs typeface="Times New Roman" panose="02020603050405020304" pitchFamily="18" charset="0"/>
               </a:rPr>
-              <a:t>Долгосрочные цели: Расширение базы готовых планов по </a:t>
-            </a:r>
+              <a:t>активных пользователей, сбор обратной связи для улучшения </a:t>
+            </a:r>
+            <a:endParaRPr lang="ru-RU" dirty="0" smtClean="0">
+              <a:solidFill>
+                <a:schemeClr val="tx1"/>
+              </a:solidFill>
+              <a:latin typeface="Times New Roman" panose="02020603050405020304" pitchFamily="18" charset="0"/>
+              <a:cs typeface="Times New Roman" panose="02020603050405020304" pitchFamily="18" charset="0"/>
+            </a:endParaRPr>
           </a:p>
           <a:p>
             <a:r>
@@ -3388,8 +3403,24 @@
                 <a:latin typeface="Times New Roman" panose="02020603050405020304" pitchFamily="18" charset="0"/>
                 <a:cs typeface="Times New Roman" panose="02020603050405020304" pitchFamily="18" charset="0"/>
               </a:rPr>
-              <a:t>достижению целей, внедрение искусственного интеллекта для </a:t>
-            </a:r>
+              <a:t>функционала.</a:t>
+            </a:r>
+            <a:endParaRPr lang="ru-RU" dirty="0" smtClean="0">
+              <a:solidFill>
+                <a:schemeClr val="tx1"/>
+              </a:solidFill>
+              <a:latin typeface="Times New Roman" panose="02020603050405020304" pitchFamily="18" charset="0"/>
+              <a:cs typeface="Times New Roman" panose="02020603050405020304" pitchFamily="18" charset="0"/>
+            </a:endParaRPr>
+          </a:p>
+          <a:p>
+            <a:endParaRPr lang="ru-RU" dirty="0" smtClean="0">
+              <a:solidFill>
+                <a:schemeClr val="tx1"/>
+              </a:solidFill>
+              <a:latin typeface="Times New Roman" panose="02020603050405020304" pitchFamily="18" charset="0"/>
+              <a:cs typeface="Times New Roman" panose="02020603050405020304" pitchFamily="18" charset="0"/>
+            </a:endParaRPr>
           </a:p>
           <a:p>
             <a:r>
@@ -3400,8 +3431,53 @@
                 <a:latin typeface="Times New Roman" panose="02020603050405020304" pitchFamily="18" charset="0"/>
                 <a:cs typeface="Times New Roman" panose="02020603050405020304" pitchFamily="18" charset="0"/>
               </a:rPr>
+              <a:t>Долгосрочные цели: Расширение базы готовых планов по </a:t>
+            </a:r>
+            <a:endParaRPr lang="ru-RU" dirty="0" smtClean="0">
+              <a:solidFill>
+                <a:schemeClr val="tx1"/>
+              </a:solidFill>
+              <a:latin typeface="Times New Roman" panose="02020603050405020304" pitchFamily="18" charset="0"/>
+              <a:cs typeface="Times New Roman" panose="02020603050405020304" pitchFamily="18" charset="0"/>
+            </a:endParaRPr>
+          </a:p>
+          <a:p>
+            <a:r>
+              <a:rPr lang="ru-RU" dirty="0" smtClean="0">
+                <a:solidFill>
+                  <a:schemeClr val="tx1"/>
+                </a:solidFill>
+                <a:latin typeface="Times New Roman" panose="02020603050405020304" pitchFamily="18" charset="0"/>
+                <a:cs typeface="Times New Roman" panose="02020603050405020304" pitchFamily="18" charset="0"/>
+              </a:rPr>
+              <a:t>достижению целей, внедрение искусственного интеллекта для </a:t>
+            </a:r>
+            <a:endParaRPr lang="ru-RU" dirty="0" smtClean="0">
+              <a:solidFill>
+                <a:schemeClr val="tx1"/>
+              </a:solidFill>
+              <a:latin typeface="Times New Roman" panose="02020603050405020304" pitchFamily="18" charset="0"/>
+              <a:cs typeface="Times New Roman" panose="02020603050405020304" pitchFamily="18" charset="0"/>
+            </a:endParaRPr>
+          </a:p>
+          <a:p>
+            <a:r>
+              <a:rPr lang="ru-RU" dirty="0" smtClean="0">
+                <a:solidFill>
+                  <a:schemeClr val="tx1"/>
+                </a:solidFill>
+                <a:latin typeface="Times New Roman" panose="02020603050405020304" pitchFamily="18" charset="0"/>
+                <a:cs typeface="Times New Roman" panose="02020603050405020304" pitchFamily="18" charset="0"/>
+              </a:rPr>
               <a:t>персонализированных рекомендаций событий.</a:t>
             </a:r>
+            <a:endParaRPr lang="ru-RU" dirty="0" smtClean="0">
+              <a:solidFill>
+                <a:schemeClr val="tx1"/>
+              </a:solidFill>
+              <a:latin typeface="Times New Roman" panose="02020603050405020304" pitchFamily="18" charset="0"/>
+              <a:cs typeface="Times New Roman" panose="02020603050405020304" pitchFamily="18" charset="0"/>
+            </a:endParaRPr>
           </a:p>
         </p:txBody>
       </p:sp>
@@ -3448,6 +3524,41 @@
               <a:latin typeface="Times New Roman" panose="02020603050405020304" pitchFamily="18" charset="0"/>
               <a:cs typeface="Times New Roman" panose="02020603050405020304" pitchFamily="18" charset="0"/>
               <a:sym typeface="+mn-ea"/>
+            </a:endParaRPr>
+          </a:p>
+        </p:txBody>
+      </p:sp>
+      <p:sp>
+        <p:nvSpPr>
+          <p:cNvPr id="3" name="Текстовое поле 2"/>
+          <p:cNvSpPr txBox="1"/>
+          <p:nvPr/>
+        </p:nvSpPr>
+        <p:spPr>
+          <a:xfrm>
+            <a:off x="8388350" y="6308725"/>
+            <a:ext cx="484505" cy="275590"/>
+          </a:xfrm>
+          <a:prstGeom prst="rect">
+            <a:avLst/>
+          </a:prstGeom>
+          <a:noFill/>
+        </p:spPr>
+        <p:txBody>
+          <a:bodyPr wrap="square" rtlCol="0">
+            <a:spAutoFit/>
+          </a:bodyPr>
+          <a:p>
+            <a:r>
+              <a:rPr lang="en-US" altLang="ru-RU" sz="1200">
+                <a:latin typeface="Times New Roman" panose="02020603050405020304" pitchFamily="18" charset="0"/>
+                <a:cs typeface="Times New Roman" panose="02020603050405020304" pitchFamily="18" charset="0"/>
+              </a:rPr>
+              <a:t>10</a:t>
+            </a:r>
+            <a:endParaRPr lang="en-US" altLang="ru-RU" sz="1200">
+              <a:latin typeface="Times New Roman" panose="02020603050405020304" pitchFamily="18" charset="0"/>
+              <a:cs typeface="Times New Roman" panose="02020603050405020304" pitchFamily="18" charset="0"/>
             </a:endParaRPr>
           </a:p>
         </p:txBody>
@@ -3516,6 +3627,13 @@
               </a:rPr>
               <a:t>ProgressTracker предлагает уникальное решение для объединения </a:t>
             </a:r>
+            <a:endParaRPr lang="ru-RU" dirty="0" smtClean="0">
+              <a:solidFill>
+                <a:schemeClr val="tx1"/>
+              </a:solidFill>
+              <a:latin typeface="Times New Roman" panose="02020603050405020304" pitchFamily="18" charset="0"/>
+              <a:cs typeface="Times New Roman" panose="02020603050405020304" pitchFamily="18" charset="0"/>
+            </a:endParaRPr>
           </a:p>
           <a:p>
             <a:r>
@@ -3528,6 +3646,13 @@
               </a:rPr>
               <a:t>людей с общими интересами и продуктивного достижения своих </a:t>
             </a:r>
+            <a:endParaRPr lang="ru-RU" dirty="0" smtClean="0">
+              <a:solidFill>
+                <a:schemeClr val="tx1"/>
+              </a:solidFill>
+              <a:latin typeface="Times New Roman" panose="02020603050405020304" pitchFamily="18" charset="0"/>
+              <a:cs typeface="Times New Roman" panose="02020603050405020304" pitchFamily="18" charset="0"/>
+            </a:endParaRPr>
           </a:p>
           <a:p>
             <a:r>
@@ -3540,6 +3665,13 @@
               </a:rPr>
               <a:t>целей обучения. Присоединяйтесь к нам, чтоб достигать вершин </a:t>
             </a:r>
+            <a:endParaRPr lang="ru-RU" dirty="0" smtClean="0">
+              <a:solidFill>
+                <a:schemeClr val="tx1"/>
+              </a:solidFill>
+              <a:latin typeface="Times New Roman" panose="02020603050405020304" pitchFamily="18" charset="0"/>
+              <a:cs typeface="Times New Roman" panose="02020603050405020304" pitchFamily="18" charset="0"/>
+            </a:endParaRPr>
           </a:p>
           <a:p>
             <a:r>
@@ -3552,6 +3684,13 @@
               </a:rPr>
               <a:t>быстрее и эффективнее всех.</a:t>
             </a:r>
+            <a:endParaRPr lang="ru-RU" dirty="0" smtClean="0">
+              <a:solidFill>
+                <a:schemeClr val="tx1"/>
+              </a:solidFill>
+              <a:latin typeface="Times New Roman" panose="02020603050405020304" pitchFamily="18" charset="0"/>
+              <a:cs typeface="Times New Roman" panose="02020603050405020304" pitchFamily="18" charset="0"/>
+            </a:endParaRPr>
           </a:p>
         </p:txBody>
       </p:sp>
@@ -3589,6 +3728,297 @@
               <a:latin typeface="Times New Roman" panose="02020603050405020304" pitchFamily="18" charset="0"/>
               <a:cs typeface="Times New Roman" panose="02020603050405020304" pitchFamily="18" charset="0"/>
               <a:sym typeface="+mn-ea"/>
+            </a:endParaRPr>
+          </a:p>
+        </p:txBody>
+      </p:sp>
+      <p:sp>
+        <p:nvSpPr>
+          <p:cNvPr id="3" name="Текстовое поле 2"/>
+          <p:cNvSpPr txBox="1"/>
+          <p:nvPr/>
+        </p:nvSpPr>
+        <p:spPr>
+          <a:xfrm>
+            <a:off x="8388350" y="6308725"/>
+            <a:ext cx="484505" cy="275590"/>
+          </a:xfrm>
+          <a:prstGeom prst="rect">
+            <a:avLst/>
+          </a:prstGeom>
+          <a:noFill/>
+        </p:spPr>
+        <p:txBody>
+          <a:bodyPr wrap="square" rtlCol="0">
+            <a:spAutoFit/>
+          </a:bodyPr>
+          <a:p>
+            <a:r>
+              <a:rPr lang="en-US" altLang="ru-RU" sz="1200">
+                <a:latin typeface="Times New Roman" panose="02020603050405020304" pitchFamily="18" charset="0"/>
+                <a:cs typeface="Times New Roman" panose="02020603050405020304" pitchFamily="18" charset="0"/>
+              </a:rPr>
+              <a:t>11</a:t>
+            </a:r>
+            <a:endParaRPr lang="en-US" altLang="ru-RU" sz="1200">
+              <a:latin typeface="Times New Roman" panose="02020603050405020304" pitchFamily="18" charset="0"/>
+              <a:cs typeface="Times New Roman" panose="02020603050405020304" pitchFamily="18" charset="0"/>
+            </a:endParaRPr>
+          </a:p>
+        </p:txBody>
+      </p:sp>
+    </p:spTree>
+  </p:cSld>
+  <p:clrMapOvr>
+    <a:masterClrMapping/>
+  </p:clrMapOvr>
+  <p:timing>
+    <p:tnLst>
+      <p:par>
+        <p:cTn id="1" dur="indefinite" restart="never" nodeType="tmRoot"/>
+      </p:par>
+    </p:tnLst>
+  </p:timing>
+</p:sld>
+</file>
+
+<file path=ppt/slides/slide12.xml><?xml version="1.0" encoding="utf-8"?>
+<p:sld xmlns:a="http://schemas.openxmlformats.org/drawingml/2006/main" xmlns:r="http://schemas.openxmlformats.org/officeDocument/2006/relationships" xmlns:p="http://schemas.openxmlformats.org/presentationml/2006/main">
+  <p:cSld>
+    <p:spTree>
+      <p:nvGrpSpPr>
+        <p:cNvPr id="1" name=""/>
+        <p:cNvGrpSpPr/>
+        <p:nvPr/>
+      </p:nvGrpSpPr>
+      <p:grpSpPr>
+        <a:xfrm>
+          <a:off x="0" y="0"/>
+          <a:ext cx="0" cy="0"/>
+          <a:chOff x="0" y="0"/>
+          <a:chExt cx="0" cy="0"/>
+        </a:xfrm>
+      </p:grpSpPr>
+      <p:sp>
+        <p:nvSpPr>
+          <p:cNvPr id="3" name="Текст 2"/>
+          <p:cNvSpPr>
+            <a:spLocks noGrp="1"/>
+          </p:cNvSpPr>
+          <p:nvPr>
+            <p:ph type="body" idx="1"/>
+          </p:nvPr>
+        </p:nvSpPr>
+        <p:spPr>
+          <a:xfrm>
+            <a:off x="2051685" y="1844675"/>
+            <a:ext cx="4946650" cy="1218565"/>
+          </a:xfrm>
+        </p:spPr>
+        <p:txBody>
+          <a:bodyPr>
+            <a:noAutofit/>
+          </a:bodyPr>
+          <a:lstStyle/>
+          <a:p>
+            <a:pPr>
+              <a:buFont typeface="Arial" panose="020B0604020202020204" pitchFamily="34" charset="0"/>
+            </a:pPr>
+            <a:r>
+              <a:rPr lang="en-US" sz="5400" dirty="0" err="1" smtClean="0">
+                <a:solidFill>
+                  <a:schemeClr val="tx1"/>
+                </a:solidFill>
+                <a:latin typeface="Segoe UI" panose="020B0502040204020203" charset="0"/>
+                <a:cs typeface="Segoe UI" panose="020B0502040204020203" charset="0"/>
+              </a:rPr>
+              <a:t>ProgressTracker</a:t>
+            </a:r>
+            <a:endParaRPr lang="en-US" sz="5400" dirty="0" err="1" smtClean="0">
+              <a:solidFill>
+                <a:schemeClr val="tx1"/>
+              </a:solidFill>
+              <a:latin typeface="Segoe UI" panose="020B0502040204020203" charset="0"/>
+              <a:cs typeface="Segoe UI" panose="020B0502040204020203" charset="0"/>
+            </a:endParaRPr>
+          </a:p>
+        </p:txBody>
+      </p:sp>
+      <p:pic>
+        <p:nvPicPr>
+          <p:cNvPr id="4" name="Изображение 3"/>
+          <p:cNvPicPr>
+            <a:picLocks noChangeAspect="1"/>
+          </p:cNvPicPr>
+          <p:nvPr/>
+        </p:nvPicPr>
+        <p:blipFill>
+          <a:blip r:embed="rId1"/>
+          <a:stretch>
+            <a:fillRect/>
+          </a:stretch>
+        </p:blipFill>
+        <p:spPr>
+          <a:xfrm>
+            <a:off x="467360" y="4364990"/>
+            <a:ext cx="2043430" cy="2043430"/>
+          </a:xfrm>
+          <a:prstGeom prst="rect">
+            <a:avLst/>
+          </a:prstGeom>
+          <a:effectLst>
+            <a:outerShdw blurRad="50800" algn="l" rotWithShape="0">
+              <a:prstClr val="black">
+                <a:alpha val="40000"/>
+              </a:prstClr>
+            </a:outerShdw>
+          </a:effectLst>
+        </p:spPr>
+      </p:pic>
+      <p:sp>
+        <p:nvSpPr>
+          <p:cNvPr id="7" name="Текстовое поле 6"/>
+          <p:cNvSpPr txBox="1"/>
+          <p:nvPr/>
+        </p:nvSpPr>
+        <p:spPr>
+          <a:xfrm>
+            <a:off x="6771005" y="5661025"/>
+            <a:ext cx="1941195" cy="922020"/>
+          </a:xfrm>
+          <a:prstGeom prst="rect">
+            <a:avLst/>
+          </a:prstGeom>
+          <a:noFill/>
+        </p:spPr>
+        <p:txBody>
+          <a:bodyPr wrap="square" rtlCol="0" anchor="t">
+            <a:spAutoFit/>
+          </a:bodyPr>
+          <a:lstStyle/>
+          <a:p>
+            <a:pPr indent="0">
+              <a:buFont typeface="Arial" panose="020B0604020202020204" pitchFamily="34" charset="0"/>
+              <a:buNone/>
+            </a:pPr>
+            <a:r>
+              <a:rPr lang="en-US" dirty="0">
+                <a:latin typeface="Segoe UI" panose="020B0502040204020203" charset="0"/>
+                <a:cs typeface="Segoe UI" panose="020B0502040204020203" charset="0"/>
+                <a:sym typeface="+mn-ea"/>
+              </a:rPr>
+              <a:t>E</a:t>
+            </a:r>
+            <a:r>
+              <a:rPr lang="ru-RU" dirty="0">
+                <a:latin typeface="Segoe UI" panose="020B0502040204020203" charset="0"/>
+                <a:cs typeface="Segoe UI" panose="020B0502040204020203" charset="0"/>
+                <a:sym typeface="+mn-ea"/>
+              </a:rPr>
+              <a:t>.Ю. </a:t>
+            </a:r>
+            <a:r>
+              <a:rPr lang="ru-RU" dirty="0" err="1" smtClean="0">
+                <a:latin typeface="Segoe UI" panose="020B0502040204020203" charset="0"/>
+                <a:cs typeface="Segoe UI" panose="020B0502040204020203" charset="0"/>
+                <a:sym typeface="+mn-ea"/>
+              </a:rPr>
+              <a:t>Дуреева</a:t>
+            </a:r>
+            <a:endParaRPr lang="ru-RU" dirty="0" smtClean="0">
+              <a:latin typeface="Segoe UI" panose="020B0502040204020203" charset="0"/>
+              <a:cs typeface="Segoe UI" panose="020B0502040204020203" charset="0"/>
+              <a:sym typeface="+mn-ea"/>
+            </a:endParaRPr>
+          </a:p>
+          <a:p>
+            <a:pPr indent="0">
+              <a:buFont typeface="Arial" panose="020B0604020202020204" pitchFamily="34" charset="0"/>
+              <a:buNone/>
+            </a:pPr>
+            <a:r>
+              <a:rPr lang="ru-RU" dirty="0">
+                <a:latin typeface="Segoe UI" panose="020B0502040204020203" charset="0"/>
+                <a:cs typeface="Segoe UI" panose="020B0502040204020203" charset="0"/>
+                <a:sym typeface="+mn-ea"/>
+              </a:rPr>
+              <a:t>П.Н. </a:t>
+            </a:r>
+            <a:r>
+              <a:rPr lang="ru-RU" dirty="0" smtClean="0">
+                <a:latin typeface="Segoe UI" panose="020B0502040204020203" charset="0"/>
+                <a:cs typeface="Segoe UI" panose="020B0502040204020203" charset="0"/>
+                <a:sym typeface="+mn-ea"/>
+              </a:rPr>
+              <a:t>Мироненко </a:t>
+            </a:r>
+            <a:endParaRPr lang="ru-RU" dirty="0" smtClean="0">
+              <a:latin typeface="Segoe UI" panose="020B0502040204020203" charset="0"/>
+              <a:cs typeface="Segoe UI" panose="020B0502040204020203" charset="0"/>
+              <a:sym typeface="+mn-ea"/>
+            </a:endParaRPr>
+          </a:p>
+          <a:p>
+            <a:pPr indent="0">
+              <a:buFont typeface="Arial" panose="020B0604020202020204" pitchFamily="34" charset="0"/>
+              <a:buNone/>
+            </a:pPr>
+            <a:r>
+              <a:rPr lang="ru-RU" dirty="0">
+                <a:latin typeface="Segoe UI" panose="020B0502040204020203" charset="0"/>
+                <a:cs typeface="Segoe UI" panose="020B0502040204020203" charset="0"/>
+                <a:sym typeface="+mn-ea"/>
+              </a:rPr>
+              <a:t>А.А. </a:t>
+            </a:r>
+            <a:r>
+              <a:rPr lang="ru-RU" dirty="0" err="1" smtClean="0">
+                <a:latin typeface="Segoe UI" panose="020B0502040204020203" charset="0"/>
+                <a:cs typeface="Segoe UI" panose="020B0502040204020203" charset="0"/>
+                <a:sym typeface="+mn-ea"/>
+              </a:rPr>
+              <a:t>Лагонская</a:t>
+            </a:r>
+            <a:endParaRPr lang="ru-RU" altLang="en-US" dirty="0" smtClean="0">
+              <a:latin typeface="Segoe UI" panose="020B0502040204020203" charset="0"/>
+              <a:cs typeface="Segoe UI" panose="020B0502040204020203" charset="0"/>
+              <a:sym typeface="+mn-ea"/>
+            </a:endParaRPr>
+          </a:p>
+        </p:txBody>
+      </p:sp>
+      <p:sp>
+        <p:nvSpPr>
+          <p:cNvPr id="2" name="Текстовое поле 1"/>
+          <p:cNvSpPr txBox="1"/>
+          <p:nvPr/>
+        </p:nvSpPr>
+        <p:spPr>
+          <a:xfrm>
+            <a:off x="829310" y="3140710"/>
+            <a:ext cx="7486015" cy="337185"/>
+          </a:xfrm>
+          <a:prstGeom prst="rect">
+            <a:avLst/>
+          </a:prstGeom>
+          <a:noFill/>
+        </p:spPr>
+        <p:txBody>
+          <a:bodyPr wrap="square" rtlCol="0" anchor="t">
+            <a:spAutoFit/>
+          </a:bodyPr>
+          <a:lstStyle/>
+          <a:p>
+            <a:r>
+              <a:rPr lang="ru-RU" altLang="en-US" sz="1600">
+                <a:latin typeface="Segoe UI" panose="020B0502040204020203" charset="0"/>
+                <a:cs typeface="Segoe UI" panose="020B0502040204020203" charset="0"/>
+              </a:rPr>
+              <a:t>Мобильное приложение для трекинга прогресса в изучении новых навыков</a:t>
+            </a:r>
+            <a:endParaRPr lang="ru-RU" altLang="en-US" sz="1600">
+              <a:latin typeface="Segoe UI" panose="020B0502040204020203" charset="0"/>
+              <a:cs typeface="Segoe UI" panose="020B0502040204020203" charset="0"/>
             </a:endParaRPr>
           </a:p>
         </p:txBody>
@@ -3647,16 +4077,6 @@
           </a:bodyPr>
           <a:lstStyle/>
           <a:p>
-            <a:r>
-              <a:rPr lang="ru-RU" dirty="0" smtClean="0">
-                <a:solidFill>
-                  <a:schemeClr val="tx1"/>
-                </a:solidFill>
-                <a:latin typeface="Times New Roman" panose="02020603050405020304" pitchFamily="18" charset="0"/>
-                <a:cs typeface="Times New Roman" panose="02020603050405020304" pitchFamily="18" charset="0"/>
-              </a:rPr>
-              <a:t/>
-            </a:r>
             <a:br>
               <a:rPr lang="ru-RU" dirty="0" smtClean="0">
                 <a:solidFill>
@@ -3674,7 +4094,7 @@
                 <a:latin typeface="Times New Roman" panose="02020603050405020304" pitchFamily="18" charset="0"/>
                 <a:cs typeface="Times New Roman" panose="02020603050405020304" pitchFamily="18" charset="0"/>
               </a:rPr>
-              <a:t>Многие люди прокачивают свои умения в разных направления, но сталкиваются с трудностями отслеживания прогресса своих достижений и обменом знаний между собой.</a:t>
+              <a:t>Многие люди прокачивают свои умения в разных направления, но сталкиваются с трудностями отслеживания прогресса своих достижений и обмена знаниями между собой.</a:t>
             </a:r>
             <a:endParaRPr lang="ru-RU" dirty="0">
               <a:solidFill>
@@ -3720,6 +4140,41 @@
               <a:latin typeface="Times New Roman" panose="02020603050405020304" pitchFamily="18" charset="0"/>
               <a:cs typeface="Times New Roman" panose="02020603050405020304" pitchFamily="18" charset="0"/>
               <a:sym typeface="+mn-ea"/>
+            </a:endParaRPr>
+          </a:p>
+        </p:txBody>
+      </p:sp>
+      <p:sp>
+        <p:nvSpPr>
+          <p:cNvPr id="3" name="Текстовое поле 2"/>
+          <p:cNvSpPr txBox="1"/>
+          <p:nvPr/>
+        </p:nvSpPr>
+        <p:spPr>
+          <a:xfrm>
+            <a:off x="8388350" y="6308725"/>
+            <a:ext cx="484505" cy="275590"/>
+          </a:xfrm>
+          <a:prstGeom prst="rect">
+            <a:avLst/>
+          </a:prstGeom>
+          <a:noFill/>
+        </p:spPr>
+        <p:txBody>
+          <a:bodyPr wrap="square" rtlCol="0">
+            <a:spAutoFit/>
+          </a:bodyPr>
+          <a:p>
+            <a:r>
+              <a:rPr lang="ru-RU" altLang="en-US" sz="1200">
+                <a:latin typeface="Times New Roman" panose="02020603050405020304" pitchFamily="18" charset="0"/>
+                <a:cs typeface="Times New Roman" panose="02020603050405020304" pitchFamily="18" charset="0"/>
+              </a:rPr>
+              <a:t>2</a:t>
+            </a:r>
+            <a:endParaRPr lang="ru-RU" altLang="en-US" sz="1200">
+              <a:latin typeface="Times New Roman" panose="02020603050405020304" pitchFamily="18" charset="0"/>
+              <a:cs typeface="Times New Roman" panose="02020603050405020304" pitchFamily="18" charset="0"/>
             </a:endParaRPr>
           </a:p>
         </p:txBody>
@@ -3786,10 +4241,18 @@
                 <a:latin typeface="Times New Roman" panose="02020603050405020304" pitchFamily="18" charset="0"/>
                 <a:cs typeface="Times New Roman" panose="02020603050405020304" pitchFamily="18" charset="0"/>
               </a:rPr>
-              <a:t>Наш основной пользователь – целеустремленные люди 18-75 лет, </a:t>
-            </a:r>
-          </a:p>
-          <a:p>
+              <a:t>Наш основной пользователь – целеустремленные люди 18-</a:t>
+            </a:r>
+            <a:r>
+              <a:rPr lang="en-US" altLang="ru-RU" dirty="0" smtClean="0">
+                <a:solidFill>
+                  <a:schemeClr val="tx1"/>
+                </a:solidFill>
+                <a:latin typeface="Times New Roman" panose="02020603050405020304" pitchFamily="18" charset="0"/>
+                <a:cs typeface="Times New Roman" panose="02020603050405020304" pitchFamily="18" charset="0"/>
+              </a:rPr>
+              <a:t>3</a:t>
+            </a:r>
             <a:r>
               <a:rPr lang="ru-RU" dirty="0" smtClean="0">
                 <a:solidFill>
@@ -3798,8 +4261,15 @@
                 <a:latin typeface="Times New Roman" panose="02020603050405020304" pitchFamily="18" charset="0"/>
                 <a:cs typeface="Times New Roman" panose="02020603050405020304" pitchFamily="18" charset="0"/>
               </a:rPr>
-              <a:t>интересующиеся саморазвитием и ищущие возможности поделиться </a:t>
-            </a:r>
+              <a:t>5 лет, </a:t>
+            </a:r>
+            <a:endParaRPr lang="ru-RU" dirty="0" smtClean="0">
+              <a:solidFill>
+                <a:schemeClr val="tx1"/>
+              </a:solidFill>
+              <a:latin typeface="Times New Roman" panose="02020603050405020304" pitchFamily="18" charset="0"/>
+              <a:cs typeface="Times New Roman" panose="02020603050405020304" pitchFamily="18" charset="0"/>
+            </a:endParaRPr>
           </a:p>
           <a:p>
             <a:r>
@@ -3810,8 +4280,34 @@
                 <a:latin typeface="Times New Roman" panose="02020603050405020304" pitchFamily="18" charset="0"/>
                 <a:cs typeface="Times New Roman" panose="02020603050405020304" pitchFamily="18" charset="0"/>
               </a:rPr>
+              <a:t>интересующиеся саморазвитием и ищущие возможности поделиться </a:t>
+            </a:r>
+            <a:endParaRPr lang="ru-RU" dirty="0" smtClean="0">
+              <a:solidFill>
+                <a:schemeClr val="tx1"/>
+              </a:solidFill>
+              <a:latin typeface="Times New Roman" panose="02020603050405020304" pitchFamily="18" charset="0"/>
+              <a:cs typeface="Times New Roman" panose="02020603050405020304" pitchFamily="18" charset="0"/>
+            </a:endParaRPr>
+          </a:p>
+          <a:p>
+            <a:r>
+              <a:rPr lang="ru-RU" dirty="0" smtClean="0">
+                <a:solidFill>
+                  <a:schemeClr val="tx1"/>
+                </a:solidFill>
+                <a:latin typeface="Times New Roman" panose="02020603050405020304" pitchFamily="18" charset="0"/>
+                <a:cs typeface="Times New Roman" panose="02020603050405020304" pitchFamily="18" charset="0"/>
+              </a:rPr>
               <a:t>опытом.</a:t>
             </a:r>
+            <a:endParaRPr lang="ru-RU" dirty="0" smtClean="0">
+              <a:solidFill>
+                <a:schemeClr val="tx1"/>
+              </a:solidFill>
+              <a:latin typeface="Times New Roman" panose="02020603050405020304" pitchFamily="18" charset="0"/>
+              <a:cs typeface="Times New Roman" panose="02020603050405020304" pitchFamily="18" charset="0"/>
+            </a:endParaRPr>
           </a:p>
         </p:txBody>
       </p:sp>
@@ -3845,6 +4341,46 @@
               </a:rPr>
               <a:t>Целевая аудитория</a:t>
             </a:r>
+            <a:endParaRPr lang="ru-RU" sz="2000" b="1" dirty="0" smtClean="0">
+              <a:latin typeface="Times New Roman" panose="02020603050405020304" pitchFamily="18" charset="0"/>
+              <a:cs typeface="Times New Roman" panose="02020603050405020304" pitchFamily="18" charset="0"/>
+              <a:sym typeface="+mn-ea"/>
+            </a:endParaRPr>
+          </a:p>
+        </p:txBody>
+      </p:sp>
+      <p:sp>
+        <p:nvSpPr>
+          <p:cNvPr id="3" name="Текстовое поле 2"/>
+          <p:cNvSpPr txBox="1"/>
+          <p:nvPr/>
+        </p:nvSpPr>
+        <p:spPr>
+          <a:xfrm>
+            <a:off x="8388350" y="6308725"/>
+            <a:ext cx="484505" cy="275590"/>
+          </a:xfrm>
+          <a:prstGeom prst="rect">
+            <a:avLst/>
+          </a:prstGeom>
+          <a:noFill/>
+        </p:spPr>
+        <p:txBody>
+          <a:bodyPr wrap="square" rtlCol="0">
+            <a:spAutoFit/>
+          </a:bodyPr>
+          <a:p>
+            <a:r>
+              <a:rPr lang="en-US" altLang="ru-RU" sz="1200">
+                <a:latin typeface="Times New Roman" panose="02020603050405020304" pitchFamily="18" charset="0"/>
+                <a:cs typeface="Times New Roman" panose="02020603050405020304" pitchFamily="18" charset="0"/>
+              </a:rPr>
+              <a:t>3</a:t>
+            </a:r>
+            <a:endParaRPr lang="en-US" altLang="ru-RU" sz="1200">
+              <a:latin typeface="Times New Roman" panose="02020603050405020304" pitchFamily="18" charset="0"/>
+              <a:cs typeface="Times New Roman" panose="02020603050405020304" pitchFamily="18" charset="0"/>
+            </a:endParaRPr>
           </a:p>
         </p:txBody>
       </p:sp>
@@ -3912,32 +4448,6 @@
               </a:rPr>
               <a:t>ProgressTracker – это мобильное приложение, которое позволяет </a:t>
             </a:r>
-          </a:p>
-          <a:p>
-            <a:r>
-              <a:rPr lang="ru-RU" dirty="0" smtClean="0">
-                <a:solidFill>
-                  <a:schemeClr val="tx1"/>
-                </a:solidFill>
-                <a:latin typeface="Times New Roman" panose="02020603050405020304" pitchFamily="18" charset="0"/>
-                <a:cs typeface="Times New Roman" panose="02020603050405020304" pitchFamily="18" charset="0"/>
-              </a:rPr>
-              <a:t>пользователям отслеживать прогресс в достижениях своих целей, </a:t>
-            </a:r>
-          </a:p>
-          <a:p>
-            <a:r>
-              <a:rPr lang="ru-RU" dirty="0" smtClean="0">
-                <a:solidFill>
-                  <a:schemeClr val="tx1"/>
-                </a:solidFill>
-                <a:latin typeface="Times New Roman" panose="02020603050405020304" pitchFamily="18" charset="0"/>
-                <a:cs typeface="Times New Roman" panose="02020603050405020304" pitchFamily="18" charset="0"/>
-              </a:rPr>
-              <a:t>даёт возможность создавать планы самому и делиться ими. </a:t>
-            </a:r>
-          </a:p>
-          <a:p>
             <a:endParaRPr lang="ru-RU" dirty="0" smtClean="0">
               <a:solidFill>
                 <a:schemeClr val="tx1"/>
@@ -3946,6 +4456,53 @@
               <a:cs typeface="Times New Roman" panose="02020603050405020304" pitchFamily="18" charset="0"/>
             </a:endParaRPr>
           </a:p>
+          <a:p>
+            <a:r>
+              <a:rPr lang="ru-RU" dirty="0" smtClean="0">
+                <a:solidFill>
+                  <a:schemeClr val="tx1"/>
+                </a:solidFill>
+                <a:latin typeface="Times New Roman" panose="02020603050405020304" pitchFamily="18" charset="0"/>
+                <a:cs typeface="Times New Roman" panose="02020603050405020304" pitchFamily="18" charset="0"/>
+              </a:rPr>
+              <a:t>пользователям отслеживать прогресс в достижениях своих целей, </a:t>
+            </a:r>
+            <a:endParaRPr lang="ru-RU" dirty="0" smtClean="0">
+              <a:solidFill>
+                <a:schemeClr val="tx1"/>
+              </a:solidFill>
+              <a:latin typeface="Times New Roman" panose="02020603050405020304" pitchFamily="18" charset="0"/>
+              <a:cs typeface="Times New Roman" panose="02020603050405020304" pitchFamily="18" charset="0"/>
+            </a:endParaRPr>
+          </a:p>
+          <a:p>
+            <a:r>
+              <a:rPr lang="ru-RU" dirty="0" smtClean="0">
+                <a:solidFill>
+                  <a:schemeClr val="tx1"/>
+                </a:solidFill>
+                <a:latin typeface="Times New Roman" panose="02020603050405020304" pitchFamily="18" charset="0"/>
+                <a:cs typeface="Times New Roman" panose="02020603050405020304" pitchFamily="18" charset="0"/>
+              </a:rPr>
+              <a:t>даёт возможность создавать планы самому и делиться ими. </a:t>
+            </a:r>
+            <a:endParaRPr lang="ru-RU" dirty="0" smtClean="0">
+              <a:solidFill>
+                <a:schemeClr val="tx1"/>
+              </a:solidFill>
+              <a:latin typeface="Times New Roman" panose="02020603050405020304" pitchFamily="18" charset="0"/>
+              <a:cs typeface="Times New Roman" panose="02020603050405020304" pitchFamily="18" charset="0"/>
+            </a:endParaRPr>
+          </a:p>
+          <a:p>
+            <a:endParaRPr lang="ru-RU" dirty="0" smtClean="0">
+              <a:solidFill>
+                <a:schemeClr val="tx1"/>
+              </a:solidFill>
+              <a:latin typeface="Times New Roman" panose="02020603050405020304" pitchFamily="18" charset="0"/>
+              <a:cs typeface="Times New Roman" panose="02020603050405020304" pitchFamily="18" charset="0"/>
+            </a:endParaRPr>
+          </a:p>
         </p:txBody>
       </p:sp>
       <p:sp>
@@ -3978,6 +4535,46 @@
               </a:rPr>
               <a:t>Предлагаемое решение</a:t>
             </a:r>
+            <a:endParaRPr lang="ru-RU" sz="2000" b="1" dirty="0" smtClean="0">
+              <a:latin typeface="Times New Roman" panose="02020603050405020304" pitchFamily="18" charset="0"/>
+              <a:cs typeface="Times New Roman" panose="02020603050405020304" pitchFamily="18" charset="0"/>
+              <a:sym typeface="+mn-ea"/>
+            </a:endParaRPr>
+          </a:p>
+        </p:txBody>
+      </p:sp>
+      <p:sp>
+        <p:nvSpPr>
+          <p:cNvPr id="3" name="Текстовое поле 2"/>
+          <p:cNvSpPr txBox="1"/>
+          <p:nvPr/>
+        </p:nvSpPr>
+        <p:spPr>
+          <a:xfrm>
+            <a:off x="8388350" y="6308725"/>
+            <a:ext cx="484505" cy="275590"/>
+          </a:xfrm>
+          <a:prstGeom prst="rect">
+            <a:avLst/>
+          </a:prstGeom>
+          <a:noFill/>
+        </p:spPr>
+        <p:txBody>
+          <a:bodyPr wrap="square" rtlCol="0">
+            <a:spAutoFit/>
+          </a:bodyPr>
+          <a:p>
+            <a:r>
+              <a:rPr lang="en-US" altLang="ru-RU" sz="1200">
+                <a:latin typeface="Times New Roman" panose="02020603050405020304" pitchFamily="18" charset="0"/>
+                <a:cs typeface="Times New Roman" panose="02020603050405020304" pitchFamily="18" charset="0"/>
+              </a:rPr>
+              <a:t>4</a:t>
+            </a:r>
+            <a:endParaRPr lang="en-US" altLang="ru-RU" sz="1200">
+              <a:latin typeface="Times New Roman" panose="02020603050405020304" pitchFamily="18" charset="0"/>
+              <a:cs typeface="Times New Roman" panose="02020603050405020304" pitchFamily="18" charset="0"/>
+            </a:endParaRPr>
           </a:p>
         </p:txBody>
       </p:sp>
@@ -4043,6 +4640,11 @@
               </a:rPr>
               <a:t>Технологии и инновации</a:t>
             </a:r>
+            <a:endParaRPr lang="ru-RU" sz="2000" b="1" dirty="0" smtClean="0">
+              <a:latin typeface="Times New Roman" panose="02020603050405020304" pitchFamily="18" charset="0"/>
+              <a:cs typeface="Times New Roman" panose="02020603050405020304" pitchFamily="18" charset="0"/>
+              <a:sym typeface="+mn-ea"/>
+            </a:endParaRPr>
           </a:p>
         </p:txBody>
       </p:sp>
@@ -4267,6 +4869,14 @@
               </a:rPr>
               <a:t>ля базы данных, и Flutter для разработки кросс-платформенного мобильного приложения.</a:t>
             </a:r>
+            <a:endParaRPr lang="ru-RU" dirty="0" smtClean="0">
+              <a:solidFill>
+                <a:schemeClr val="tx1"/>
+              </a:solidFill>
+              <a:latin typeface="Times New Roman" panose="02020603050405020304" pitchFamily="18" charset="0"/>
+              <a:cs typeface="Times New Roman" panose="02020603050405020304" pitchFamily="18" charset="0"/>
+              <a:sym typeface="+mn-ea"/>
+            </a:endParaRPr>
           </a:p>
         </p:txBody>
       </p:sp>
@@ -4278,6 +4888,36 @@
           </p:cNvPicPr>
           <p:nvPr>
             <p:ph sz="half" idx="1"/>
+          </p:nvPr>
+        </p:nvPicPr>
+        <p:blipFill>
+          <a:blip r:embed="rId1"/>
+          <a:stretch>
+            <a:fillRect/>
+          </a:stretch>
+        </p:blipFill>
+        <p:spPr>
+          <a:xfrm>
+            <a:off x="1763395" y="3500755"/>
+            <a:ext cx="3892550" cy="1111250"/>
+          </a:xfrm>
+          <a:prstGeom prst="rect">
+            <a:avLst/>
+          </a:prstGeom>
+          <a:noFill/>
+          <a:ln w="9525">
+            <a:noFill/>
+          </a:ln>
+        </p:spPr>
+      </p:pic>
+      <p:pic>
+        <p:nvPicPr>
+          <p:cNvPr id="104" name="Замещающее содержимое 103"/>
+          <p:cNvPicPr>
+            <a:picLocks noGrp="1" noChangeAspect="1"/>
+          </p:cNvPicPr>
+          <p:nvPr>
+            <p:ph sz="half" idx="2"/>
           </p:nvPr>
         </p:nvPicPr>
         <p:blipFill>
@@ -4288,8 +4928,8 @@
         </p:blipFill>
         <p:spPr>
           <a:xfrm>
-            <a:off x="1763395" y="3500755"/>
-            <a:ext cx="3892550" cy="1111250"/>
+            <a:off x="1259840" y="5085080"/>
+            <a:ext cx="1390650" cy="1525270"/>
           </a:xfrm>
           <a:prstGeom prst="rect">
             <a:avLst/>
@@ -4302,13 +4942,9 @@
       </p:pic>
       <p:pic>
         <p:nvPicPr>
-          <p:cNvPr id="104" name="Замещающее содержимое 103"/>
-          <p:cNvPicPr>
-            <a:picLocks noGrp="1" noChangeAspect="1"/>
-          </p:cNvPicPr>
-          <p:nvPr>
-            <p:ph sz="half" idx="2"/>
-          </p:nvPr>
+          <p:cNvPr id="105" name="Изображение 104"/>
+          <p:cNvPicPr/>
+          <p:nvPr/>
         </p:nvPicPr>
         <p:blipFill>
           <a:blip r:embed="rId3"/>
@@ -4318,8 +4954,8 @@
         </p:blipFill>
         <p:spPr>
           <a:xfrm>
-            <a:off x="1259840" y="5085080"/>
-            <a:ext cx="1390650" cy="1525270"/>
+            <a:off x="4716145" y="5589270"/>
+            <a:ext cx="2366010" cy="788035"/>
           </a:xfrm>
           <a:prstGeom prst="rect">
             <a:avLst/>
@@ -4332,7 +4968,7 @@
       </p:pic>
       <p:pic>
         <p:nvPicPr>
-          <p:cNvPr id="105" name="Изображение 104"/>
+          <p:cNvPr id="106" name="Изображение 105"/>
           <p:cNvPicPr/>
           <p:nvPr/>
         </p:nvPicPr>
@@ -4344,8 +4980,8 @@
         </p:blipFill>
         <p:spPr>
           <a:xfrm>
-            <a:off x="4716145" y="5589270"/>
-            <a:ext cx="2366010" cy="788035"/>
+            <a:off x="6443980" y="3411220"/>
+            <a:ext cx="1469390" cy="1508125"/>
           </a:xfrm>
           <a:prstGeom prst="rect">
             <a:avLst/>
@@ -4356,32 +4992,41 @@
           </a:ln>
         </p:spPr>
       </p:pic>
-      <p:pic>
-        <p:nvPicPr>
-          <p:cNvPr id="106" name="Изображение 105"/>
-          <p:cNvPicPr/>
+      <p:sp>
+        <p:nvSpPr>
+          <p:cNvPr id="4" name="Текстовое поле 3"/>
+          <p:cNvSpPr txBox="1"/>
           <p:nvPr/>
-        </p:nvPicPr>
-        <p:blipFill>
-          <a:blip r:embed="rId5"/>
-          <a:stretch>
-            <a:fillRect/>
-          </a:stretch>
-        </p:blipFill>
-        <p:spPr>
-          <a:xfrm>
-            <a:off x="6443980" y="3411220"/>
-            <a:ext cx="1469390" cy="1508125"/>
+        </p:nvSpPr>
+        <p:spPr>
+          <a:xfrm>
+            <a:off x="8388350" y="6308725"/>
+            <a:ext cx="484505" cy="275590"/>
           </a:xfrm>
           <a:prstGeom prst="rect">
             <a:avLst/>
           </a:prstGeom>
           <a:noFill/>
-          <a:ln w="9525">
-            <a:noFill/>
-          </a:ln>
-        </p:spPr>
-      </p:pic>
+        </p:spPr>
+        <p:txBody>
+          <a:bodyPr wrap="square" rtlCol="0">
+            <a:spAutoFit/>
+          </a:bodyPr>
+          <a:p>
+            <a:r>
+              <a:rPr lang="en-US" altLang="ru-RU" sz="1200">
+                <a:latin typeface="Times New Roman" panose="02020603050405020304" pitchFamily="18" charset="0"/>
+                <a:cs typeface="Times New Roman" panose="02020603050405020304" pitchFamily="18" charset="0"/>
+              </a:rPr>
+              <a:t>5</a:t>
+            </a:r>
+            <a:endParaRPr lang="en-US" altLang="ru-RU" sz="1200">
+              <a:latin typeface="Times New Roman" panose="02020603050405020304" pitchFamily="18" charset="0"/>
+              <a:cs typeface="Times New Roman" panose="02020603050405020304" pitchFamily="18" charset="0"/>
+            </a:endParaRPr>
+          </a:p>
+        </p:txBody>
+      </p:sp>
     </p:spTree>
   </p:cSld>
   <p:clrMapOvr>
@@ -4466,6 +5111,13 @@
               </a:rPr>
               <a:t>и позволяет пользоваться уже готовыми других пользователей.</a:t>
             </a:r>
+            <a:endParaRPr lang="ru-RU" dirty="0" smtClean="0">
+              <a:solidFill>
+                <a:schemeClr val="tx1"/>
+              </a:solidFill>
+              <a:latin typeface="Times New Roman" panose="02020603050405020304" pitchFamily="18" charset="0"/>
+              <a:cs typeface="Times New Roman" panose="02020603050405020304" pitchFamily="18" charset="0"/>
+            </a:endParaRPr>
           </a:p>
         </p:txBody>
       </p:sp>
@@ -4499,6 +5151,46 @@
               </a:rPr>
               <a:t>Конкурентное преимущество</a:t>
             </a:r>
+            <a:endParaRPr lang="ru-RU" sz="2000" b="1" dirty="0" smtClean="0">
+              <a:latin typeface="Times New Roman" panose="02020603050405020304" pitchFamily="18" charset="0"/>
+              <a:cs typeface="Times New Roman" panose="02020603050405020304" pitchFamily="18" charset="0"/>
+              <a:sym typeface="+mn-ea"/>
+            </a:endParaRPr>
+          </a:p>
+        </p:txBody>
+      </p:sp>
+      <p:sp>
+        <p:nvSpPr>
+          <p:cNvPr id="3" name="Текстовое поле 2"/>
+          <p:cNvSpPr txBox="1"/>
+          <p:nvPr/>
+        </p:nvSpPr>
+        <p:spPr>
+          <a:xfrm>
+            <a:off x="8388350" y="6308725"/>
+            <a:ext cx="484505" cy="275590"/>
+          </a:xfrm>
+          <a:prstGeom prst="rect">
+            <a:avLst/>
+          </a:prstGeom>
+          <a:noFill/>
+        </p:spPr>
+        <p:txBody>
+          <a:bodyPr wrap="square" rtlCol="0">
+            <a:spAutoFit/>
+          </a:bodyPr>
+          <a:p>
+            <a:r>
+              <a:rPr lang="en-US" altLang="ru-RU" sz="1200">
+                <a:latin typeface="Times New Roman" panose="02020603050405020304" pitchFamily="18" charset="0"/>
+                <a:cs typeface="Times New Roman" panose="02020603050405020304" pitchFamily="18" charset="0"/>
+              </a:rPr>
+              <a:t>6</a:t>
+            </a:r>
+            <a:endParaRPr lang="en-US" altLang="ru-RU" sz="1200">
+              <a:latin typeface="Times New Roman" panose="02020603050405020304" pitchFamily="18" charset="0"/>
+              <a:cs typeface="Times New Roman" panose="02020603050405020304" pitchFamily="18" charset="0"/>
+            </a:endParaRPr>
           </a:p>
         </p:txBody>
       </p:sp>
@@ -4564,6 +5256,11 @@
               </a:rPr>
               <a:t>Демонстрация продукта</a:t>
             </a:r>
+            <a:endParaRPr lang="ru-RU" sz="2000" b="1" dirty="0" smtClean="0">
+              <a:latin typeface="Times New Roman" panose="02020603050405020304" pitchFamily="18" charset="0"/>
+              <a:cs typeface="Times New Roman" panose="02020603050405020304" pitchFamily="18" charset="0"/>
+              <a:sym typeface="+mn-ea"/>
+            </a:endParaRPr>
           </a:p>
         </p:txBody>
       </p:sp>
@@ -4576,7 +5273,7 @@
           <p:nvPr/>
         </p:nvPicPr>
         <p:blipFill>
-          <a:blip r:embed="rId2"/>
+          <a:blip r:embed="rId1"/>
           <a:stretch>
             <a:fillRect/>
           </a:stretch>
@@ -4615,7 +5312,7 @@
           <p:nvPr/>
         </p:nvPicPr>
         <p:blipFill>
-          <a:blip r:embed="rId3"/>
+          <a:blip r:embed="rId2"/>
           <a:stretch>
             <a:fillRect/>
           </a:stretch>
@@ -4630,6 +5327,41 @@
           </a:prstGeom>
         </p:spPr>
       </p:pic>
+      <p:sp>
+        <p:nvSpPr>
+          <p:cNvPr id="3" name="Текстовое поле 2"/>
+          <p:cNvSpPr txBox="1"/>
+          <p:nvPr/>
+        </p:nvSpPr>
+        <p:spPr>
+          <a:xfrm>
+            <a:off x="8388350" y="6308725"/>
+            <a:ext cx="484505" cy="275590"/>
+          </a:xfrm>
+          <a:prstGeom prst="rect">
+            <a:avLst/>
+          </a:prstGeom>
+          <a:noFill/>
+        </p:spPr>
+        <p:txBody>
+          <a:bodyPr wrap="square" rtlCol="0">
+            <a:spAutoFit/>
+          </a:bodyPr>
+          <a:p>
+            <a:r>
+              <a:rPr lang="en-US" altLang="ru-RU" sz="1200">
+                <a:latin typeface="Times New Roman" panose="02020603050405020304" pitchFamily="18" charset="0"/>
+                <a:cs typeface="Times New Roman" panose="02020603050405020304" pitchFamily="18" charset="0"/>
+              </a:rPr>
+              <a:t>7</a:t>
+            </a:r>
+            <a:endParaRPr lang="en-US" altLang="ru-RU" sz="1200">
+              <a:latin typeface="Times New Roman" panose="02020603050405020304" pitchFamily="18" charset="0"/>
+              <a:cs typeface="Times New Roman" panose="02020603050405020304" pitchFamily="18" charset="0"/>
+            </a:endParaRPr>
+          </a:p>
+        </p:txBody>
+      </p:sp>
     </p:spTree>
   </p:cSld>
   <p:clrMapOvr>
@@ -4671,7 +5403,7 @@
           <p:nvPr/>
         </p:nvPicPr>
         <p:blipFill>
-          <a:blip r:embed="rId2"/>
+          <a:blip r:embed="rId1"/>
           <a:stretch>
             <a:fillRect/>
           </a:stretch>
@@ -4695,7 +5427,7 @@
           <p:nvPr/>
         </p:nvPicPr>
         <p:blipFill>
-          <a:blip r:embed="rId3"/>
+          <a:blip r:embed="rId2"/>
           <a:stretch>
             <a:fillRect/>
           </a:stretch>
@@ -4710,6 +5442,41 @@
           </a:prstGeom>
         </p:spPr>
       </p:pic>
+      <p:sp>
+        <p:nvSpPr>
+          <p:cNvPr id="3" name="Текстовое поле 2"/>
+          <p:cNvSpPr txBox="1"/>
+          <p:nvPr/>
+        </p:nvSpPr>
+        <p:spPr>
+          <a:xfrm>
+            <a:off x="8388350" y="6308725"/>
+            <a:ext cx="484505" cy="275590"/>
+          </a:xfrm>
+          <a:prstGeom prst="rect">
+            <a:avLst/>
+          </a:prstGeom>
+          <a:noFill/>
+        </p:spPr>
+        <p:txBody>
+          <a:bodyPr wrap="square" rtlCol="0">
+            <a:spAutoFit/>
+          </a:bodyPr>
+          <a:p>
+            <a:r>
+              <a:rPr lang="en-US" altLang="ru-RU" sz="1200">
+                <a:latin typeface="Times New Roman" panose="02020603050405020304" pitchFamily="18" charset="0"/>
+                <a:cs typeface="Times New Roman" panose="02020603050405020304" pitchFamily="18" charset="0"/>
+              </a:rPr>
+              <a:t>8</a:t>
+            </a:r>
+            <a:endParaRPr lang="en-US" altLang="ru-RU" sz="1200">
+              <a:latin typeface="Times New Roman" panose="02020603050405020304" pitchFamily="18" charset="0"/>
+              <a:cs typeface="Times New Roman" panose="02020603050405020304" pitchFamily="18" charset="0"/>
+            </a:endParaRPr>
+          </a:p>
+        </p:txBody>
+      </p:sp>
     </p:spTree>
   </p:cSld>
   <p:clrMapOvr>
@@ -4774,6 +5541,13 @@
               </a:rPr>
               <a:t>Планируется зарабатывать через контекстную рекламу нужных курсов для каждого пользователя, в зависимости от его интересов. Также получать процент прибыли от продаж планов по достижению целей от известных людей.</a:t>
             </a:r>
+            <a:endParaRPr lang="ru-RU" dirty="0" smtClean="0">
+              <a:solidFill>
+                <a:schemeClr val="tx1"/>
+              </a:solidFill>
+              <a:latin typeface="Times New Roman" panose="02020603050405020304" pitchFamily="18" charset="0"/>
+              <a:cs typeface="Times New Roman" panose="02020603050405020304" pitchFamily="18" charset="0"/>
+            </a:endParaRPr>
           </a:p>
         </p:txBody>
       </p:sp>
@@ -4820,6 +5594,41 @@
               <a:latin typeface="Times New Roman" panose="02020603050405020304" pitchFamily="18" charset="0"/>
               <a:cs typeface="Times New Roman" panose="02020603050405020304" pitchFamily="18" charset="0"/>
               <a:sym typeface="+mn-ea"/>
+            </a:endParaRPr>
+          </a:p>
+        </p:txBody>
+      </p:sp>
+      <p:sp>
+        <p:nvSpPr>
+          <p:cNvPr id="3" name="Текстовое поле 2"/>
+          <p:cNvSpPr txBox="1"/>
+          <p:nvPr/>
+        </p:nvSpPr>
+        <p:spPr>
+          <a:xfrm>
+            <a:off x="8388350" y="6308725"/>
+            <a:ext cx="484505" cy="275590"/>
+          </a:xfrm>
+          <a:prstGeom prst="rect">
+            <a:avLst/>
+          </a:prstGeom>
+          <a:noFill/>
+        </p:spPr>
+        <p:txBody>
+          <a:bodyPr wrap="square" rtlCol="0">
+            <a:spAutoFit/>
+          </a:bodyPr>
+          <a:p>
+            <a:r>
+              <a:rPr lang="en-US" altLang="ru-RU" sz="1200">
+                <a:latin typeface="Times New Roman" panose="02020603050405020304" pitchFamily="18" charset="0"/>
+                <a:cs typeface="Times New Roman" panose="02020603050405020304" pitchFamily="18" charset="0"/>
+              </a:rPr>
+              <a:t>9</a:t>
+            </a:r>
+            <a:endParaRPr lang="en-US" altLang="ru-RU" sz="1200">
+              <a:latin typeface="Times New Roman" panose="02020603050405020304" pitchFamily="18" charset="0"/>
+              <a:cs typeface="Times New Roman" panose="02020603050405020304" pitchFamily="18" charset="0"/>
             </a:endParaRPr>
           </a:p>
         </p:txBody>
@@ -5119,11 +5928,9 @@
       </a:bgFillStyleLst>
     </a:fmtScheme>
   </a:themeElements>
-  <a:objectDefaults/>
-  <a:extraClrSchemeLst/>
   <a:extLst>
     <a:ext uri="{05A4C25C-085E-4340-85A3-A5531E510DB2}">
-      <thm15:themeFamily xmlns:thm15="http://schemas.microsoft.com/office/thememl/2012/main" xmlns="" name="Office Theme" id="{62F939B6-93AF-4DB8-9C6B-D6C7DFDC589F}" vid="{4A3C46E8-61CC-4603-A589-7422A47A8E4A}"/>
+      <thm15:themeFamily xmlns:thm15="http://schemas.microsoft.com/office/thememl/2012/main" name="Office Theme" id="{62F939B6-93AF-4DB8-9C6B-D6C7DFDC589F}" vid="{4A3C46E8-61CC-4603-A589-7422A47A8E4A}"/>
     </a:ext>
   </a:extLst>
 </a:theme>
